--- a/Презентация.pptx
+++ b/Презентация.pptx
@@ -10,6 +10,7 @@
     <p:sldId id="258" r:id="rId4"/>
     <p:sldId id="259" r:id="rId5"/>
     <p:sldId id="260" r:id="rId6"/>
+    <p:sldId id="262" r:id="rId7"/>
   </p:sldIdLst>
   <p:sldSz cx="12192000" cy="6858000"/>
   <p:notesSz cx="6858000" cy="9144000"/>
@@ -108,6 +109,11 @@
       </a:defRPr>
     </a:lvl9pPr>
   </p:defaultTextStyle>
+  <p:extLst>
+    <p:ext uri="{EFAFB233-063F-42B5-8137-9DF3F51BA10A}">
+      <p15:sldGuideLst xmlns:p15="http://schemas.microsoft.com/office/powerpoint/2012/main"/>
+    </p:ext>
+  </p:extLst>
 </p:presentation>
 </file>
 
@@ -258,7 +264,7 @@
           <a:p>
             <a:fld id="{B8F00D26-A986-4552-952C-D1EB9FEAD0FC}" type="datetimeFigureOut">
               <a:rPr lang="ru-RU" smtClean="0"/>
-              <a:t>15.04.2024</a:t>
+              <a:t>21.04.2024</a:t>
             </a:fld>
             <a:endParaRPr lang="ru-RU"/>
           </a:p>
@@ -456,7 +462,7 @@
           <a:p>
             <a:fld id="{B8F00D26-A986-4552-952C-D1EB9FEAD0FC}" type="datetimeFigureOut">
               <a:rPr lang="ru-RU" smtClean="0"/>
-              <a:t>15.04.2024</a:t>
+              <a:t>21.04.2024</a:t>
             </a:fld>
             <a:endParaRPr lang="ru-RU"/>
           </a:p>
@@ -664,7 +670,7 @@
           <a:p>
             <a:fld id="{B8F00D26-A986-4552-952C-D1EB9FEAD0FC}" type="datetimeFigureOut">
               <a:rPr lang="ru-RU" smtClean="0"/>
-              <a:t>15.04.2024</a:t>
+              <a:t>21.04.2024</a:t>
             </a:fld>
             <a:endParaRPr lang="ru-RU"/>
           </a:p>
@@ -862,7 +868,7 @@
           <a:p>
             <a:fld id="{B8F00D26-A986-4552-952C-D1EB9FEAD0FC}" type="datetimeFigureOut">
               <a:rPr lang="ru-RU" smtClean="0"/>
-              <a:t>15.04.2024</a:t>
+              <a:t>21.04.2024</a:t>
             </a:fld>
             <a:endParaRPr lang="ru-RU"/>
           </a:p>
@@ -1137,7 +1143,7 @@
           <a:p>
             <a:fld id="{B8F00D26-A986-4552-952C-D1EB9FEAD0FC}" type="datetimeFigureOut">
               <a:rPr lang="ru-RU" smtClean="0"/>
-              <a:t>15.04.2024</a:t>
+              <a:t>21.04.2024</a:t>
             </a:fld>
             <a:endParaRPr lang="ru-RU"/>
           </a:p>
@@ -1402,7 +1408,7 @@
           <a:p>
             <a:fld id="{B8F00D26-A986-4552-952C-D1EB9FEAD0FC}" type="datetimeFigureOut">
               <a:rPr lang="ru-RU" smtClean="0"/>
-              <a:t>15.04.2024</a:t>
+              <a:t>21.04.2024</a:t>
             </a:fld>
             <a:endParaRPr lang="ru-RU"/>
           </a:p>
@@ -1814,7 +1820,7 @@
           <a:p>
             <a:fld id="{B8F00D26-A986-4552-952C-D1EB9FEAD0FC}" type="datetimeFigureOut">
               <a:rPr lang="ru-RU" smtClean="0"/>
-              <a:t>15.04.2024</a:t>
+              <a:t>21.04.2024</a:t>
             </a:fld>
             <a:endParaRPr lang="ru-RU"/>
           </a:p>
@@ -1955,7 +1961,7 @@
           <a:p>
             <a:fld id="{B8F00D26-A986-4552-952C-D1EB9FEAD0FC}" type="datetimeFigureOut">
               <a:rPr lang="ru-RU" smtClean="0"/>
-              <a:t>15.04.2024</a:t>
+              <a:t>21.04.2024</a:t>
             </a:fld>
             <a:endParaRPr lang="ru-RU"/>
           </a:p>
@@ -2068,7 +2074,7 @@
           <a:p>
             <a:fld id="{B8F00D26-A986-4552-952C-D1EB9FEAD0FC}" type="datetimeFigureOut">
               <a:rPr lang="ru-RU" smtClean="0"/>
-              <a:t>15.04.2024</a:t>
+              <a:t>21.04.2024</a:t>
             </a:fld>
             <a:endParaRPr lang="ru-RU"/>
           </a:p>
@@ -2379,7 +2385,7 @@
           <a:p>
             <a:fld id="{B8F00D26-A986-4552-952C-D1EB9FEAD0FC}" type="datetimeFigureOut">
               <a:rPr lang="ru-RU" smtClean="0"/>
-              <a:t>15.04.2024</a:t>
+              <a:t>21.04.2024</a:t>
             </a:fld>
             <a:endParaRPr lang="ru-RU"/>
           </a:p>
@@ -2667,7 +2673,7 @@
           <a:p>
             <a:fld id="{B8F00D26-A986-4552-952C-D1EB9FEAD0FC}" type="datetimeFigureOut">
               <a:rPr lang="ru-RU" smtClean="0"/>
-              <a:t>15.04.2024</a:t>
+              <a:t>21.04.2024</a:t>
             </a:fld>
             <a:endParaRPr lang="ru-RU"/>
           </a:p>
@@ -2908,7 +2914,7 @@
           <a:p>
             <a:fld id="{B8F00D26-A986-4552-952C-D1EB9FEAD0FC}" type="datetimeFigureOut">
               <a:rPr lang="ru-RU" smtClean="0"/>
-              <a:t>15.04.2024</a:t>
+              <a:t>21.04.2024</a:t>
             </a:fld>
             <a:endParaRPr lang="ru-RU"/>
           </a:p>
@@ -3354,7 +3360,7 @@
                 <a:latin typeface="+mn-lt"/>
                 <a:ea typeface="Calibri" panose="020F0502020204030204" pitchFamily="34" charset="0"/>
               </a:rPr>
-              <a:t>Бот Яндекс карты</a:t>
+              <a:t>Бот Яндекс карт</a:t>
             </a:r>
             <a:endParaRPr lang="ru-RU" sz="4800" dirty="0">
               <a:latin typeface="+mn-lt"/>
@@ -3523,7 +3529,7 @@
                 <a:ea typeface="Calibri" panose="020F0502020204030204" pitchFamily="34" charset="0"/>
                 <a:cs typeface="Times New Roman" panose="02020603050405020304" pitchFamily="18" charset="0"/>
               </a:rPr>
-              <a:t>: создать «Бота Яндекс карты» в приложении телеграмм.</a:t>
+              <a:t>: создать «Бота Яндекс карт» в приложении телеграмм.</a:t>
             </a:r>
           </a:p>
           <a:p>
@@ -3658,7 +3664,7 @@
                 <a:latin typeface="+mn-lt"/>
                 <a:ea typeface="Calibri" panose="020F0502020204030204" pitchFamily="34" charset="0"/>
               </a:rPr>
-              <a:t>Бот Яндекс карты</a:t>
+              <a:t>Бот Яндекс карт</a:t>
             </a:r>
             <a:endParaRPr lang="ru-RU" sz="3600" dirty="0">
               <a:latin typeface="+mn-lt"/>
@@ -3687,16 +3693,110 @@
           <a:bodyPr/>
           <a:lstStyle/>
           <a:p>
-            <a:pPr marL="0" indent="0">
+            <a:pPr indent="0">
+              <a:lnSpc>
+                <a:spcPct val="107000"/>
+              </a:lnSpc>
+              <a:spcAft>
+                <a:spcPts val="800"/>
+              </a:spcAft>
               <a:buNone/>
             </a:pPr>
             <a:r>
-              <a:rPr lang="ru-RU" sz="3200" dirty="0">
-                <a:effectLst/>
-                <a:ea typeface="Calibri" panose="020F0502020204030204" pitchFamily="34" charset="0"/>
-                <a:cs typeface="Times New Roman" panose="02020603050405020304" pitchFamily="18" charset="0"/>
-              </a:rPr>
-              <a:t>Телеграмм-бот для начала будет приветствовать пользователя, а затем попросит его местоположение. Дальше пользователю нужно выбрать на клавиатуре бота то, что нужно сделать: вывести несколько организаций и, например, найти ближайшую или найти расстояние до другого адреса. Здесь будет использоваться api яндекс карт. После выполнения определённой функции пользователь сможет использовать бота дальше, до тех пор, пока не выберет кнопку "Выйти".</a:t>
+              <a:rPr lang="ru-RU" sz="1800" dirty="0">
+                <a:effectLst/>
+                <a:ea typeface="Calibri" panose="020F0502020204030204" pitchFamily="34" charset="0"/>
+                <a:cs typeface="Times New Roman" panose="02020603050405020304" pitchFamily="18" charset="0"/>
+              </a:rPr>
+              <a:t>	</a:t>
+            </a:r>
+            <a:r>
+              <a:rPr lang="ru-RU" sz="2400" dirty="0">
+                <a:effectLst/>
+                <a:ea typeface="Calibri" panose="020F0502020204030204" pitchFamily="34" charset="0"/>
+                <a:cs typeface="Times New Roman" panose="02020603050405020304" pitchFamily="18" charset="0"/>
+              </a:rPr>
+              <a:t>Сначала телеграмм-бот приветствует пользователя с помощью команды /</a:t>
+            </a:r>
+            <a:r>
+              <a:rPr lang="en-US" sz="2400" dirty="0">
+                <a:effectLst/>
+                <a:ea typeface="Calibri" panose="020F0502020204030204" pitchFamily="34" charset="0"/>
+                <a:cs typeface="Times New Roman" panose="02020603050405020304" pitchFamily="18" charset="0"/>
+              </a:rPr>
+              <a:t>start</a:t>
+            </a:r>
+            <a:r>
+              <a:rPr lang="ru-RU" sz="2400" dirty="0">
+                <a:effectLst/>
+                <a:ea typeface="Calibri" panose="020F0502020204030204" pitchFamily="34" charset="0"/>
+                <a:cs typeface="Times New Roman" panose="02020603050405020304" pitchFamily="18" charset="0"/>
+              </a:rPr>
+              <a:t>. Дальше пользователь должен написать адрес и организацию в таком виде: «[адрес] : [организация]» (как делать запрос, написано в команде /</a:t>
+            </a:r>
+            <a:r>
+              <a:rPr lang="en-US" sz="2400" dirty="0">
+                <a:effectLst/>
+                <a:ea typeface="Calibri" panose="020F0502020204030204" pitchFamily="34" charset="0"/>
+                <a:cs typeface="Times New Roman" panose="02020603050405020304" pitchFamily="18" charset="0"/>
+              </a:rPr>
+              <a:t>help</a:t>
+            </a:r>
+            <a:r>
+              <a:rPr lang="ru-RU" sz="2400" dirty="0">
+                <a:effectLst/>
+                <a:ea typeface="Calibri" panose="020F0502020204030204" pitchFamily="34" charset="0"/>
+                <a:cs typeface="Times New Roman" panose="02020603050405020304" pitchFamily="18" charset="0"/>
+              </a:rPr>
+              <a:t>). Бот найдёт ближайшую к этому адресу организацию, выведет карту с отмеченным местом, её название, и адрес. После этого информацию об этом месте он запишет в базу данных, поэтому если пользователь введёт тот же запрос, то получит ответ: «Вы уже находили: [карта и т.п.]». Для команд /</a:t>
+            </a:r>
+            <a:r>
+              <a:rPr lang="en-US" sz="2400" dirty="0">
+                <a:effectLst/>
+                <a:ea typeface="Calibri" panose="020F0502020204030204" pitchFamily="34" charset="0"/>
+                <a:cs typeface="Times New Roman" panose="02020603050405020304" pitchFamily="18" charset="0"/>
+              </a:rPr>
+              <a:t>start </a:t>
+            </a:r>
+            <a:r>
+              <a:rPr lang="ru-RU" sz="2400" dirty="0">
+                <a:effectLst/>
+                <a:ea typeface="Calibri" panose="020F0502020204030204" pitchFamily="34" charset="0"/>
+                <a:cs typeface="Times New Roman" panose="02020603050405020304" pitchFamily="18" charset="0"/>
+              </a:rPr>
+              <a:t>и /</a:t>
+            </a:r>
+            <a:r>
+              <a:rPr lang="en-US" sz="2400" dirty="0">
+                <a:effectLst/>
+                <a:ea typeface="Calibri" panose="020F0502020204030204" pitchFamily="34" charset="0"/>
+                <a:cs typeface="Times New Roman" panose="02020603050405020304" pitchFamily="18" charset="0"/>
+              </a:rPr>
+              <a:t>help </a:t>
+            </a:r>
+            <a:r>
+              <a:rPr lang="ru-RU" sz="2400" dirty="0">
+                <a:effectLst/>
+                <a:ea typeface="Calibri" panose="020F0502020204030204" pitchFamily="34" charset="0"/>
+                <a:cs typeface="Times New Roman" panose="02020603050405020304" pitchFamily="18" charset="0"/>
+              </a:rPr>
+              <a:t>существует клавиатура. Если пользователь захочет её выключить, то существует команда /</a:t>
+            </a:r>
+            <a:r>
+              <a:rPr lang="en-US" sz="2400" dirty="0">
+                <a:effectLst/>
+                <a:ea typeface="Calibri" panose="020F0502020204030204" pitchFamily="34" charset="0"/>
+                <a:cs typeface="Times New Roman" panose="02020603050405020304" pitchFamily="18" charset="0"/>
+              </a:rPr>
+              <a:t>close</a:t>
+            </a:r>
+            <a:r>
+              <a:rPr lang="ru-RU" sz="2400" dirty="0">
+                <a:effectLst/>
+                <a:ea typeface="Calibri" panose="020F0502020204030204" pitchFamily="34" charset="0"/>
+                <a:cs typeface="Times New Roman" panose="02020603050405020304" pitchFamily="18" charset="0"/>
+              </a:rPr>
+              <a:t>.</a:t>
             </a:r>
           </a:p>
           <a:p>
@@ -3803,7 +3903,7 @@
                 <a:ea typeface="Calibri" panose="020F0502020204030204" pitchFamily="34" charset="0"/>
                 <a:cs typeface="Times New Roman" panose="02020603050405020304" pitchFamily="18" charset="0"/>
               </a:rPr>
-              <a:t>http-api.py ­— </a:t>
+              <a:t>geo_bot.py ­— </a:t>
             </a:r>
             <a:r>
               <a:rPr lang="ru-RU" dirty="0">
@@ -3826,6 +3926,31 @@
               <a:ea typeface="Calibri" panose="020F0502020204030204" pitchFamily="34" charset="0"/>
               <a:cs typeface="Times New Roman" panose="02020603050405020304" pitchFamily="18" charset="0"/>
             </a:endParaRPr>
+          </a:p>
+          <a:p>
+            <a:pPr marL="342900" lvl="0" indent="-342900">
+              <a:lnSpc>
+                <a:spcPct val="107000"/>
+              </a:lnSpc>
+              <a:buFont typeface="Symbol" panose="05050102010706020507" pitchFamily="18" charset="2"/>
+              <a:buChar char=""/>
+            </a:pPr>
+            <a:r>
+              <a:rPr lang="en-US" dirty="0">
+                <a:effectLst/>
+                <a:ea typeface="Calibri" panose="020F0502020204030204" pitchFamily="34" charset="0"/>
+                <a:cs typeface="Times New Roman" panose="02020603050405020304" pitchFamily="18" charset="0"/>
+              </a:rPr>
+              <a:t>requirements.txt </a:t>
+            </a:r>
+            <a:r>
+              <a:rPr lang="ru-RU" dirty="0">
+                <a:effectLst/>
+                <a:ea typeface="Calibri" panose="020F0502020204030204" pitchFamily="34" charset="0"/>
+                <a:cs typeface="Times New Roman" panose="02020603050405020304" pitchFamily="18" charset="0"/>
+              </a:rPr>
+              <a:t>содержит зависимости,</a:t>
+            </a:r>
           </a:p>
           <a:p>
             <a:pPr marL="342900" lvl="0" indent="-342900">
@@ -3844,7 +3969,7 @@
                 <a:ea typeface="Calibri" panose="020F0502020204030204" pitchFamily="34" charset="0"/>
                 <a:cs typeface="Times New Roman" panose="02020603050405020304" pitchFamily="18" charset="0"/>
               </a:rPr>
-              <a:t>requirements.txt </a:t>
+              <a:t>yandex</a:t>
             </a:r>
             <a:r>
               <a:rPr lang="ru-RU" dirty="0">
@@ -3852,26 +3977,15 @@
                 <a:ea typeface="Calibri" panose="020F0502020204030204" pitchFamily="34" charset="0"/>
                 <a:cs typeface="Times New Roman" panose="02020603050405020304" pitchFamily="18" charset="0"/>
               </a:rPr>
-              <a:t>содержит зависимости.</a:t>
-            </a:r>
-          </a:p>
-          <a:p>
-            <a:pPr marL="0" indent="0">
-              <a:lnSpc>
-                <a:spcPct val="107000"/>
-              </a:lnSpc>
-              <a:spcAft>
-                <a:spcPts val="800"/>
-              </a:spcAft>
-              <a:buNone/>
-            </a:pPr>
-            <a:r>
-              <a:rPr lang="ru-RU" b="1" dirty="0">
-                <a:effectLst/>
-                <a:ea typeface="Calibri" panose="020F0502020204030204" pitchFamily="34" charset="0"/>
-                <a:cs typeface="Times New Roman" panose="02020603050405020304" pitchFamily="18" charset="0"/>
-              </a:rPr>
-              <a:t>Используемые технологии</a:t>
+              <a:t>_</a:t>
+            </a:r>
+            <a:r>
+              <a:rPr lang="en-US" dirty="0">
+                <a:effectLst/>
+                <a:ea typeface="Calibri" panose="020F0502020204030204" pitchFamily="34" charset="0"/>
+                <a:cs typeface="Times New Roman" panose="02020603050405020304" pitchFamily="18" charset="0"/>
+              </a:rPr>
+              <a:t>maps</a:t>
             </a:r>
             <a:r>
               <a:rPr lang="ru-RU" dirty="0">
@@ -3879,83 +3993,24 @@
                 <a:ea typeface="Calibri" panose="020F0502020204030204" pitchFamily="34" charset="0"/>
                 <a:cs typeface="Times New Roman" panose="02020603050405020304" pitchFamily="18" charset="0"/>
               </a:rPr>
-              <a:t>:</a:t>
-            </a:r>
-          </a:p>
-          <a:p>
-            <a:pPr marL="342900" lvl="0" indent="-342900">
-              <a:lnSpc>
-                <a:spcPct val="107000"/>
-              </a:lnSpc>
-              <a:buFont typeface="Symbol" panose="05050102010706020507" pitchFamily="18" charset="2"/>
-              <a:buChar char=""/>
-            </a:pPr>
+              <a:t>.</a:t>
+            </a:r>
             <a:r>
               <a:rPr lang="en-US" dirty="0">
                 <a:effectLst/>
                 <a:ea typeface="Calibri" panose="020F0502020204030204" pitchFamily="34" charset="0"/>
                 <a:cs typeface="Times New Roman" panose="02020603050405020304" pitchFamily="18" charset="0"/>
               </a:rPr>
-              <a:t>aiohttp,</a:t>
-            </a:r>
-            <a:endParaRPr lang="ru-RU" dirty="0">
-              <a:effectLst/>
-              <a:ea typeface="Calibri" panose="020F0502020204030204" pitchFamily="34" charset="0"/>
-              <a:cs typeface="Times New Roman" panose="02020603050405020304" pitchFamily="18" charset="0"/>
-            </a:endParaRPr>
-          </a:p>
-          <a:p>
-            <a:pPr marL="342900" lvl="0" indent="-342900">
-              <a:lnSpc>
-                <a:spcPct val="107000"/>
-              </a:lnSpc>
-              <a:buFont typeface="Symbol" panose="05050102010706020507" pitchFamily="18" charset="2"/>
-              <a:buChar char=""/>
-            </a:pPr>
-            <a:r>
-              <a:rPr lang="en-US" dirty="0">
-                <a:effectLst/>
-                <a:ea typeface="Calibri" panose="020F0502020204030204" pitchFamily="34" charset="0"/>
-                <a:cs typeface="Times New Roman" panose="02020603050405020304" pitchFamily="18" charset="0"/>
-              </a:rPr>
-              <a:t>telegram.ext,</a:t>
-            </a:r>
-            <a:endParaRPr lang="ru-RU" dirty="0">
-              <a:effectLst/>
-              <a:ea typeface="Calibri" panose="020F0502020204030204" pitchFamily="34" charset="0"/>
-              <a:cs typeface="Times New Roman" panose="02020603050405020304" pitchFamily="18" charset="0"/>
-            </a:endParaRPr>
-          </a:p>
-          <a:p>
-            <a:pPr marL="342900" lvl="0" indent="-342900">
-              <a:lnSpc>
-                <a:spcPct val="107000"/>
-              </a:lnSpc>
-              <a:spcAft>
-                <a:spcPts val="800"/>
-              </a:spcAft>
-              <a:buFont typeface="Symbol" panose="05050102010706020507" pitchFamily="18" charset="2"/>
-              <a:buChar char=""/>
-            </a:pPr>
-            <a:r>
-              <a:rPr lang="en-US" dirty="0">
-                <a:effectLst/>
-                <a:ea typeface="Calibri" panose="020F0502020204030204" pitchFamily="34" charset="0"/>
-                <a:cs typeface="Times New Roman" panose="02020603050405020304" pitchFamily="18" charset="0"/>
-              </a:rPr>
-              <a:t>requests.</a:t>
-            </a:r>
-            <a:endParaRPr lang="ru-RU" dirty="0">
-              <a:effectLst/>
-              <a:ea typeface="Calibri" panose="020F0502020204030204" pitchFamily="34" charset="0"/>
-              <a:cs typeface="Times New Roman" panose="02020603050405020304" pitchFamily="18" charset="0"/>
-            </a:endParaRPr>
-          </a:p>
-          <a:p>
-            <a:pPr marL="0" indent="0">
-              <a:buNone/>
-            </a:pPr>
-            <a:endParaRPr lang="ru-RU" dirty="0"/>
+              <a:t>sqlite </a:t>
+            </a:r>
+            <a:r>
+              <a:rPr lang="ru-RU" dirty="0">
+                <a:effectLst/>
+                <a:ea typeface="Calibri" panose="020F0502020204030204" pitchFamily="34" charset="0"/>
+                <a:cs typeface="Times New Roman" panose="02020603050405020304" pitchFamily="18" charset="0"/>
+              </a:rPr>
+              <a:t>— база данных.</a:t>
+            </a:r>
           </a:p>
         </p:txBody>
       </p:sp>
@@ -4032,10 +4087,244 @@
                 <a:ea typeface="Calibri" panose="020F0502020204030204" pitchFamily="34" charset="0"/>
                 <a:cs typeface="Times New Roman" panose="02020603050405020304" pitchFamily="18" charset="0"/>
               </a:rPr>
+              <a:t>Используемые технологии</a:t>
+            </a:r>
+            <a:r>
+              <a:rPr lang="ru-RU" dirty="0">
+                <a:effectLst/>
+                <a:ea typeface="Calibri" panose="020F0502020204030204" pitchFamily="34" charset="0"/>
+                <a:cs typeface="Times New Roman" panose="02020603050405020304" pitchFamily="18" charset="0"/>
+              </a:rPr>
+              <a:t>:</a:t>
+            </a:r>
+          </a:p>
+          <a:p>
+            <a:pPr marL="342900" lvl="0" indent="-342900">
+              <a:lnSpc>
+                <a:spcPct val="107000"/>
+              </a:lnSpc>
+              <a:buFont typeface="Symbol" panose="05050102010706020507" pitchFamily="18" charset="2"/>
+              <a:buChar char=""/>
+            </a:pPr>
+            <a:r>
+              <a:rPr lang="en-US" dirty="0">
+                <a:effectLst/>
+                <a:ea typeface="Calibri" panose="020F0502020204030204" pitchFamily="34" charset="0"/>
+                <a:cs typeface="Times New Roman" panose="02020603050405020304" pitchFamily="18" charset="0"/>
+              </a:rPr>
+              <a:t>aiohttp,</a:t>
+            </a:r>
+            <a:endParaRPr lang="ru-RU" dirty="0">
+              <a:effectLst/>
+              <a:ea typeface="Calibri" panose="020F0502020204030204" pitchFamily="34" charset="0"/>
+              <a:cs typeface="Times New Roman" panose="02020603050405020304" pitchFamily="18" charset="0"/>
+            </a:endParaRPr>
+          </a:p>
+          <a:p>
+            <a:pPr marL="342900" lvl="0" indent="-342900">
+              <a:lnSpc>
+                <a:spcPct val="107000"/>
+              </a:lnSpc>
+              <a:buFont typeface="Symbol" panose="05050102010706020507" pitchFamily="18" charset="2"/>
+              <a:buChar char=""/>
+            </a:pPr>
+            <a:r>
+              <a:rPr lang="en-US" dirty="0">
+                <a:effectLst/>
+                <a:ea typeface="Calibri" panose="020F0502020204030204" pitchFamily="34" charset="0"/>
+                <a:cs typeface="Times New Roman" panose="02020603050405020304" pitchFamily="18" charset="0"/>
+              </a:rPr>
+              <a:t>telegram.ext,</a:t>
+            </a:r>
+            <a:endParaRPr lang="ru-RU" dirty="0">
+              <a:effectLst/>
+              <a:ea typeface="Calibri" panose="020F0502020204030204" pitchFamily="34" charset="0"/>
+              <a:cs typeface="Times New Roman" panose="02020603050405020304" pitchFamily="18" charset="0"/>
+            </a:endParaRPr>
+          </a:p>
+          <a:p>
+            <a:pPr marL="342900" lvl="0" indent="-342900">
+              <a:lnSpc>
+                <a:spcPct val="107000"/>
+              </a:lnSpc>
+              <a:spcAft>
+                <a:spcPts val="800"/>
+              </a:spcAft>
+              <a:buFont typeface="Symbol" panose="05050102010706020507" pitchFamily="18" charset="2"/>
+              <a:buChar char=""/>
+            </a:pPr>
+            <a:r>
+              <a:rPr lang="en-US" dirty="0">
+                <a:effectLst/>
+                <a:ea typeface="Calibri" panose="020F0502020204030204" pitchFamily="34" charset="0"/>
+                <a:cs typeface="Times New Roman" panose="02020603050405020304" pitchFamily="18" charset="0"/>
+              </a:rPr>
+              <a:t>requests</a:t>
+            </a:r>
+            <a:r>
+              <a:rPr lang="ru-RU" dirty="0">
+                <a:ea typeface="Calibri" panose="020F0502020204030204" pitchFamily="34" charset="0"/>
+                <a:cs typeface="Times New Roman" panose="02020603050405020304" pitchFamily="18" charset="0"/>
+              </a:rPr>
+              <a:t>,</a:t>
+            </a:r>
+            <a:endParaRPr lang="ru-RU" dirty="0">
+              <a:effectLst/>
+              <a:ea typeface="Calibri" panose="020F0502020204030204" pitchFamily="34" charset="0"/>
+              <a:cs typeface="Times New Roman" panose="02020603050405020304" pitchFamily="18" charset="0"/>
+            </a:endParaRPr>
+          </a:p>
+          <a:p>
+            <a:pPr marL="342900" lvl="0" indent="-342900">
+              <a:lnSpc>
+                <a:spcPct val="107000"/>
+              </a:lnSpc>
+              <a:buFont typeface="Symbol" panose="05050102010706020507" pitchFamily="18" charset="2"/>
+              <a:buChar char=""/>
+            </a:pPr>
+            <a:r>
+              <a:rPr lang="en-US" dirty="0">
+                <a:effectLst/>
+                <a:ea typeface="Calibri" panose="020F0502020204030204" pitchFamily="34" charset="0"/>
+                <a:cs typeface="Times New Roman" panose="02020603050405020304" pitchFamily="18" charset="0"/>
+              </a:rPr>
+              <a:t>sqlite3,</a:t>
+            </a:r>
+            <a:endParaRPr lang="ru-RU" dirty="0">
+              <a:effectLst/>
+              <a:ea typeface="Calibri" panose="020F0502020204030204" pitchFamily="34" charset="0"/>
+              <a:cs typeface="Times New Roman" panose="02020603050405020304" pitchFamily="18" charset="0"/>
+            </a:endParaRPr>
+          </a:p>
+          <a:p>
+            <a:pPr marL="342900" lvl="0" indent="-342900">
+              <a:lnSpc>
+                <a:spcPct val="107000"/>
+              </a:lnSpc>
+              <a:buFont typeface="Symbol" panose="05050102010706020507" pitchFamily="18" charset="2"/>
+              <a:buChar char=""/>
+            </a:pPr>
+            <a:r>
+              <a:rPr lang="en-US" dirty="0">
+                <a:effectLst/>
+                <a:ea typeface="Calibri" panose="020F0502020204030204" pitchFamily="34" charset="0"/>
+                <a:cs typeface="Times New Roman" panose="02020603050405020304" pitchFamily="18" charset="0"/>
+              </a:rPr>
+              <a:t>api static-maps,</a:t>
+            </a:r>
+            <a:endParaRPr lang="ru-RU" dirty="0">
+              <a:effectLst/>
+              <a:ea typeface="Calibri" panose="020F0502020204030204" pitchFamily="34" charset="0"/>
+              <a:cs typeface="Times New Roman" panose="02020603050405020304" pitchFamily="18" charset="0"/>
+            </a:endParaRPr>
+          </a:p>
+          <a:p>
+            <a:pPr marL="342900" lvl="0" indent="-342900">
+              <a:lnSpc>
+                <a:spcPct val="107000"/>
+              </a:lnSpc>
+              <a:spcAft>
+                <a:spcPts val="800"/>
+              </a:spcAft>
+              <a:buFont typeface="Symbol" panose="05050102010706020507" pitchFamily="18" charset="2"/>
+              <a:buChar char=""/>
+            </a:pPr>
+            <a:r>
+              <a:rPr lang="en-US" dirty="0">
+                <a:effectLst/>
+                <a:ea typeface="Calibri" panose="020F0502020204030204" pitchFamily="34" charset="0"/>
+                <a:cs typeface="Times New Roman" panose="02020603050405020304" pitchFamily="18" charset="0"/>
+              </a:rPr>
+              <a:t>api </a:t>
+            </a:r>
+            <a:r>
+              <a:rPr lang="ru-RU" dirty="0">
+                <a:effectLst/>
+                <a:ea typeface="Calibri" panose="020F0502020204030204" pitchFamily="34" charset="0"/>
+                <a:cs typeface="Times New Roman" panose="02020603050405020304" pitchFamily="18" charset="0"/>
+              </a:rPr>
+              <a:t>«Поиск по организациям».</a:t>
+            </a:r>
+          </a:p>
+        </p:txBody>
+      </p:sp>
+    </p:spTree>
+    <p:extLst>
+      <p:ext uri="{BB962C8B-B14F-4D97-AF65-F5344CB8AC3E}">
+        <p14:creationId xmlns:p14="http://schemas.microsoft.com/office/powerpoint/2010/main" val="400418051"/>
+      </p:ext>
+    </p:extLst>
+  </p:cSld>
+  <p:clrMapOvr>
+    <a:masterClrMapping/>
+  </p:clrMapOvr>
+</p:sld>
+</file>
+
+<file path=ppt/slides/slide6.xml><?xml version="1.0" encoding="utf-8"?>
+<p:sld xmlns:a="http://schemas.openxmlformats.org/drawingml/2006/main" xmlns:r="http://schemas.openxmlformats.org/officeDocument/2006/relationships" xmlns:p="http://schemas.openxmlformats.org/presentationml/2006/main">
+  <p:cSld>
+    <p:spTree>
+      <p:nvGrpSpPr>
+        <p:cNvPr id="1" name=""/>
+        <p:cNvGrpSpPr/>
+        <p:nvPr/>
+      </p:nvGrpSpPr>
+      <p:grpSpPr>
+        <a:xfrm>
+          <a:off x="0" y="0"/>
+          <a:ext cx="0" cy="0"/>
+          <a:chOff x="0" y="0"/>
+          <a:chExt cx="0" cy="0"/>
+        </a:xfrm>
+      </p:grpSpPr>
+      <p:sp>
+        <p:nvSpPr>
+          <p:cNvPr id="3" name="Объект 2">
+            <a:extLst>
+              <a:ext uri="{FF2B5EF4-FFF2-40B4-BE49-F238E27FC236}">
+                <a16:creationId xmlns:a16="http://schemas.microsoft.com/office/drawing/2014/main" id="{5776F518-AE6F-4172-9FFC-D9DF1D801B64}"/>
+              </a:ext>
+            </a:extLst>
+          </p:cNvPr>
+          <p:cNvSpPr>
+            <a:spLocks noGrp="1"/>
+          </p:cNvSpPr>
+          <p:nvPr>
+            <p:ph idx="1"/>
+          </p:nvPr>
+        </p:nvSpPr>
+        <p:spPr>
+          <a:xfrm>
+            <a:off x="838200" y="788565"/>
+            <a:ext cx="10515600" cy="5388398"/>
+          </a:xfrm>
+        </p:spPr>
+        <p:txBody>
+          <a:bodyPr>
+            <a:normAutofit/>
+          </a:bodyPr>
+          <a:lstStyle/>
+          <a:p>
+            <a:pPr marL="0" indent="0">
+              <a:lnSpc>
+                <a:spcPct val="107000"/>
+              </a:lnSpc>
+              <a:spcAft>
+                <a:spcPts val="800"/>
+              </a:spcAft>
+              <a:buNone/>
+            </a:pPr>
+            <a:r>
+              <a:rPr lang="ru-RU" sz="2800" b="1" dirty="0">
+                <a:effectLst/>
+                <a:ea typeface="Calibri" panose="020F0502020204030204" pitchFamily="34" charset="0"/>
+                <a:cs typeface="Times New Roman" panose="02020603050405020304" pitchFamily="18" charset="0"/>
+              </a:rPr>
               <a:t>Как запускать</a:t>
             </a:r>
             <a:r>
-              <a:rPr lang="ru-RU" dirty="0">
+              <a:rPr lang="ru-RU" sz="2800" dirty="0">
                 <a:effectLst/>
                 <a:ea typeface="Calibri" panose="020F0502020204030204" pitchFamily="34" charset="0"/>
                 <a:cs typeface="Times New Roman" panose="02020603050405020304" pitchFamily="18" charset="0"/>
@@ -4052,7 +4341,7 @@
               <a:buAutoNum type="arabicPeriod"/>
             </a:pPr>
             <a:r>
-              <a:rPr lang="ru-RU" dirty="0">
+              <a:rPr lang="ru-RU" sz="2800" dirty="0">
                 <a:effectLst/>
                 <a:ea typeface="Calibri" panose="020F0502020204030204" pitchFamily="34" charset="0"/>
                 <a:cs typeface="Times New Roman" panose="02020603050405020304" pitchFamily="18" charset="0"/>
@@ -4060,7 +4349,7 @@
               <a:t>Скачайте </a:t>
             </a:r>
             <a:r>
-              <a:rPr lang="en-US" dirty="0">
+              <a:rPr lang="en-US" sz="2800" dirty="0">
                 <a:effectLst/>
                 <a:ea typeface="Calibri" panose="020F0502020204030204" pitchFamily="34" charset="0"/>
                 <a:cs typeface="Times New Roman" panose="02020603050405020304" pitchFamily="18" charset="0"/>
@@ -4068,7 +4357,7 @@
               <a:t>requirements</a:t>
             </a:r>
             <a:r>
-              <a:rPr lang="ru-RU" dirty="0">
+              <a:rPr lang="ru-RU" sz="2800" dirty="0">
                 <a:effectLst/>
                 <a:ea typeface="Calibri" panose="020F0502020204030204" pitchFamily="34" charset="0"/>
                 <a:cs typeface="Times New Roman" panose="02020603050405020304" pitchFamily="18" charset="0"/>
@@ -4076,7 +4365,7 @@
               <a:t>.</a:t>
             </a:r>
             <a:r>
-              <a:rPr lang="en-US" dirty="0">
+              <a:rPr lang="en-US" sz="2800" dirty="0">
                 <a:effectLst/>
                 <a:ea typeface="Calibri" panose="020F0502020204030204" pitchFamily="34" charset="0"/>
                 <a:cs typeface="Times New Roman" panose="02020603050405020304" pitchFamily="18" charset="0"/>
@@ -4084,7 +4373,7 @@
               <a:t>txt</a:t>
             </a:r>
             <a:r>
-              <a:rPr lang="ru-RU" dirty="0">
+              <a:rPr lang="ru-RU" sz="2800" dirty="0">
                 <a:effectLst/>
                 <a:ea typeface="Calibri" panose="020F0502020204030204" pitchFamily="34" charset="0"/>
                 <a:cs typeface="Times New Roman" panose="02020603050405020304" pitchFamily="18" charset="0"/>
@@ -4101,13 +4390,42 @@
               <a:buAutoNum type="arabicPeriod"/>
             </a:pPr>
             <a:r>
-              <a:rPr lang="ru-RU" dirty="0">
-                <a:effectLst/>
-                <a:ea typeface="Calibri" panose="020F0502020204030204" pitchFamily="34" charset="0"/>
-                <a:cs typeface="Times New Roman" panose="02020603050405020304" pitchFamily="18" charset="0"/>
-              </a:rPr>
-              <a:t>Установите все нужные модули,</a:t>
-            </a:r>
+              <a:rPr lang="ru-RU" sz="2800" dirty="0">
+                <a:effectLst/>
+                <a:ea typeface="Calibri" panose="020F0502020204030204" pitchFamily="34" charset="0"/>
+                <a:cs typeface="Times New Roman" panose="02020603050405020304" pitchFamily="18" charset="0"/>
+              </a:rPr>
+              <a:t>Введите строку </a:t>
+            </a:r>
+            <a:r>
+              <a:rPr lang="en-US" sz="2800" dirty="0">
+                <a:effectLst/>
+                <a:ea typeface="Calibri" panose="020F0502020204030204" pitchFamily="34" charset="0"/>
+                <a:cs typeface="Times New Roman" panose="02020603050405020304" pitchFamily="18" charset="0"/>
+              </a:rPr>
+              <a:t>«pip install python-telegram-bot[ext] --upgrade» </a:t>
+            </a:r>
+            <a:r>
+              <a:rPr lang="ru-RU" sz="2800" dirty="0">
+                <a:effectLst/>
+                <a:ea typeface="Calibri" panose="020F0502020204030204" pitchFamily="34" charset="0"/>
+                <a:cs typeface="Times New Roman" panose="02020603050405020304" pitchFamily="18" charset="0"/>
+              </a:rPr>
+              <a:t>в терминал</a:t>
+            </a:r>
+            <a:r>
+              <a:rPr lang="en-US" sz="2800" dirty="0">
+                <a:effectLst/>
+                <a:ea typeface="Calibri" panose="020F0502020204030204" pitchFamily="34" charset="0"/>
+                <a:cs typeface="Times New Roman" panose="02020603050405020304" pitchFamily="18" charset="0"/>
+              </a:rPr>
+              <a:t>,</a:t>
+            </a:r>
+            <a:endParaRPr lang="ru-RU" sz="2800" dirty="0">
+              <a:effectLst/>
+              <a:ea typeface="Calibri" panose="020F0502020204030204" pitchFamily="34" charset="0"/>
+              <a:cs typeface="Times New Roman" panose="02020603050405020304" pitchFamily="18" charset="0"/>
+            </a:endParaRPr>
           </a:p>
           <a:p>
             <a:pPr marL="342900" lvl="0" indent="-342900">
@@ -4118,7 +4436,24 @@
               <a:buAutoNum type="arabicPeriod"/>
             </a:pPr>
             <a:r>
-              <a:rPr lang="ru-RU" dirty="0">
+              <a:rPr lang="ru-RU" sz="2800" dirty="0">
+                <a:effectLst/>
+                <a:ea typeface="Calibri" panose="020F0502020204030204" pitchFamily="34" charset="0"/>
+                <a:cs typeface="Times New Roman" panose="02020603050405020304" pitchFamily="18" charset="0"/>
+              </a:rPr>
+              <a:t>Установите все нужные модули,</a:t>
+            </a:r>
+          </a:p>
+          <a:p>
+            <a:pPr marL="342900" lvl="0" indent="-342900">
+              <a:lnSpc>
+                <a:spcPct val="107000"/>
+              </a:lnSpc>
+              <a:buFont typeface="+mj-lt"/>
+              <a:buAutoNum type="arabicPeriod"/>
+            </a:pPr>
+            <a:r>
+              <a:rPr lang="ru-RU" sz="2800" dirty="0">
                 <a:effectLst/>
                 <a:ea typeface="Calibri" panose="020F0502020204030204" pitchFamily="34" charset="0"/>
                 <a:cs typeface="Times New Roman" panose="02020603050405020304" pitchFamily="18" charset="0"/>
@@ -4126,15 +4461,15 @@
               <a:t>Запустите </a:t>
             </a:r>
             <a:r>
-              <a:rPr lang="en-US" dirty="0">
-                <a:effectLst/>
-                <a:ea typeface="Calibri" panose="020F0502020204030204" pitchFamily="34" charset="0"/>
-                <a:cs typeface="Times New Roman" panose="02020603050405020304" pitchFamily="18" charset="0"/>
-              </a:rPr>
-              <a:t>http-api</a:t>
-            </a:r>
-            <a:r>
-              <a:rPr lang="ru-RU" dirty="0">
+              <a:rPr lang="en-US" sz="2800" dirty="0" err="1">
+                <a:effectLst/>
+                <a:ea typeface="Calibri" panose="020F0502020204030204" pitchFamily="34" charset="0"/>
+                <a:cs typeface="Times New Roman" panose="02020603050405020304" pitchFamily="18" charset="0"/>
+              </a:rPr>
+              <a:t>geo_bot</a:t>
+            </a:r>
+            <a:r>
+              <a:rPr lang="ru-RU" sz="2800" dirty="0">
                 <a:effectLst/>
                 <a:ea typeface="Calibri" panose="020F0502020204030204" pitchFamily="34" charset="0"/>
                 <a:cs typeface="Times New Roman" panose="02020603050405020304" pitchFamily="18" charset="0"/>
@@ -4142,14 +4477,14 @@
               <a:t>.</a:t>
             </a:r>
             <a:r>
-              <a:rPr lang="en-US" dirty="0">
+              <a:rPr lang="en-US" sz="2800" dirty="0">
                 <a:effectLst/>
                 <a:ea typeface="Calibri" panose="020F0502020204030204" pitchFamily="34" charset="0"/>
                 <a:cs typeface="Times New Roman" panose="02020603050405020304" pitchFamily="18" charset="0"/>
               </a:rPr>
               <a:t>py</a:t>
             </a:r>
-            <a:endParaRPr lang="ru-RU" dirty="0">
+            <a:endParaRPr lang="ru-RU" sz="2800" dirty="0">
               <a:effectLst/>
               <a:ea typeface="Calibri" panose="020F0502020204030204" pitchFamily="34" charset="0"/>
               <a:cs typeface="Times New Roman" panose="02020603050405020304" pitchFamily="18" charset="0"/>
@@ -4167,7 +4502,7 @@
               <a:buAutoNum type="arabicPeriod"/>
             </a:pPr>
             <a:r>
-              <a:rPr lang="ru-RU" dirty="0">
+              <a:rPr lang="ru-RU" sz="2800" dirty="0">
                 <a:effectLst/>
                 <a:ea typeface="Calibri" panose="020F0502020204030204" pitchFamily="34" charset="0"/>
                 <a:cs typeface="Times New Roman" panose="02020603050405020304" pitchFamily="18" charset="0"/>
@@ -4175,7 +4510,7 @@
               <a:t>Найдите в приложении «телеграмм» бота @</a:t>
             </a:r>
             <a:r>
-              <a:rPr lang="en-US" dirty="0">
+              <a:rPr lang="en-US" sz="2800" dirty="0">
                 <a:effectLst/>
                 <a:ea typeface="Calibri" panose="020F0502020204030204" pitchFamily="34" charset="0"/>
                 <a:cs typeface="Times New Roman" panose="02020603050405020304" pitchFamily="18" charset="0"/>
@@ -4183,7 +4518,7 @@
               <a:t>OnlyMyGeobot</a:t>
             </a:r>
             <a:r>
-              <a:rPr lang="ru-RU" dirty="0">
+              <a:rPr lang="ru-RU" sz="2800" dirty="0">
                 <a:effectLst/>
                 <a:ea typeface="Calibri" panose="020F0502020204030204" pitchFamily="34" charset="0"/>
                 <a:cs typeface="Times New Roman" panose="02020603050405020304" pitchFamily="18" charset="0"/>
@@ -4196,7 +4531,7 @@
     </p:spTree>
     <p:extLst>
       <p:ext uri="{BB962C8B-B14F-4D97-AF65-F5344CB8AC3E}">
-        <p14:creationId xmlns:p14="http://schemas.microsoft.com/office/powerpoint/2010/main" val="400418051"/>
+        <p14:creationId xmlns:p14="http://schemas.microsoft.com/office/powerpoint/2010/main" val="2782076974"/>
       </p:ext>
     </p:extLst>
   </p:cSld>

--- a/Презентация.pptx
+++ b/Презентация.pptx
@@ -10,7 +10,6 @@
     <p:sldId id="258" r:id="rId4"/>
     <p:sldId id="259" r:id="rId5"/>
     <p:sldId id="260" r:id="rId6"/>
-    <p:sldId id="262" r:id="rId7"/>
   </p:sldIdLst>
   <p:sldSz cx="12192000" cy="6858000"/>
   <p:notesSz cx="6858000" cy="9144000"/>
@@ -264,7 +263,7 @@
           <a:p>
             <a:fld id="{B8F00D26-A986-4552-952C-D1EB9FEAD0FC}" type="datetimeFigureOut">
               <a:rPr lang="ru-RU" smtClean="0"/>
-              <a:t>21.04.2024</a:t>
+              <a:t>22.04.2024</a:t>
             </a:fld>
             <a:endParaRPr lang="ru-RU"/>
           </a:p>
@@ -462,7 +461,7 @@
           <a:p>
             <a:fld id="{B8F00D26-A986-4552-952C-D1EB9FEAD0FC}" type="datetimeFigureOut">
               <a:rPr lang="ru-RU" smtClean="0"/>
-              <a:t>21.04.2024</a:t>
+              <a:t>22.04.2024</a:t>
             </a:fld>
             <a:endParaRPr lang="ru-RU"/>
           </a:p>
@@ -670,7 +669,7 @@
           <a:p>
             <a:fld id="{B8F00D26-A986-4552-952C-D1EB9FEAD0FC}" type="datetimeFigureOut">
               <a:rPr lang="ru-RU" smtClean="0"/>
-              <a:t>21.04.2024</a:t>
+              <a:t>22.04.2024</a:t>
             </a:fld>
             <a:endParaRPr lang="ru-RU"/>
           </a:p>
@@ -868,7 +867,7 @@
           <a:p>
             <a:fld id="{B8F00D26-A986-4552-952C-D1EB9FEAD0FC}" type="datetimeFigureOut">
               <a:rPr lang="ru-RU" smtClean="0"/>
-              <a:t>21.04.2024</a:t>
+              <a:t>22.04.2024</a:t>
             </a:fld>
             <a:endParaRPr lang="ru-RU"/>
           </a:p>
@@ -1143,7 +1142,7 @@
           <a:p>
             <a:fld id="{B8F00D26-A986-4552-952C-D1EB9FEAD0FC}" type="datetimeFigureOut">
               <a:rPr lang="ru-RU" smtClean="0"/>
-              <a:t>21.04.2024</a:t>
+              <a:t>22.04.2024</a:t>
             </a:fld>
             <a:endParaRPr lang="ru-RU"/>
           </a:p>
@@ -1408,7 +1407,7 @@
           <a:p>
             <a:fld id="{B8F00D26-A986-4552-952C-D1EB9FEAD0FC}" type="datetimeFigureOut">
               <a:rPr lang="ru-RU" smtClean="0"/>
-              <a:t>21.04.2024</a:t>
+              <a:t>22.04.2024</a:t>
             </a:fld>
             <a:endParaRPr lang="ru-RU"/>
           </a:p>
@@ -1820,7 +1819,7 @@
           <a:p>
             <a:fld id="{B8F00D26-A986-4552-952C-D1EB9FEAD0FC}" type="datetimeFigureOut">
               <a:rPr lang="ru-RU" smtClean="0"/>
-              <a:t>21.04.2024</a:t>
+              <a:t>22.04.2024</a:t>
             </a:fld>
             <a:endParaRPr lang="ru-RU"/>
           </a:p>
@@ -1961,7 +1960,7 @@
           <a:p>
             <a:fld id="{B8F00D26-A986-4552-952C-D1EB9FEAD0FC}" type="datetimeFigureOut">
               <a:rPr lang="ru-RU" smtClean="0"/>
-              <a:t>21.04.2024</a:t>
+              <a:t>22.04.2024</a:t>
             </a:fld>
             <a:endParaRPr lang="ru-RU"/>
           </a:p>
@@ -2074,7 +2073,7 @@
           <a:p>
             <a:fld id="{B8F00D26-A986-4552-952C-D1EB9FEAD0FC}" type="datetimeFigureOut">
               <a:rPr lang="ru-RU" smtClean="0"/>
-              <a:t>21.04.2024</a:t>
+              <a:t>22.04.2024</a:t>
             </a:fld>
             <a:endParaRPr lang="ru-RU"/>
           </a:p>
@@ -2385,7 +2384,7 @@
           <a:p>
             <a:fld id="{B8F00D26-A986-4552-952C-D1EB9FEAD0FC}" type="datetimeFigureOut">
               <a:rPr lang="ru-RU" smtClean="0"/>
-              <a:t>21.04.2024</a:t>
+              <a:t>22.04.2024</a:t>
             </a:fld>
             <a:endParaRPr lang="ru-RU"/>
           </a:p>
@@ -2673,7 +2672,7 @@
           <a:p>
             <a:fld id="{B8F00D26-A986-4552-952C-D1EB9FEAD0FC}" type="datetimeFigureOut">
               <a:rPr lang="ru-RU" smtClean="0"/>
-              <a:t>21.04.2024</a:t>
+              <a:t>22.04.2024</a:t>
             </a:fld>
             <a:endParaRPr lang="ru-RU"/>
           </a:p>
@@ -2914,7 +2913,7 @@
           <a:p>
             <a:fld id="{B8F00D26-A986-4552-952C-D1EB9FEAD0FC}" type="datetimeFigureOut">
               <a:rPr lang="ru-RU" smtClean="0"/>
-              <a:t>21.04.2024</a:t>
+              <a:t>22.04.2024</a:t>
             </a:fld>
             <a:endParaRPr lang="ru-RU"/>
           </a:p>
@@ -4261,286 +4260,6 @@
 </p:sld>
 </file>
 
-<file path=ppt/slides/slide6.xml><?xml version="1.0" encoding="utf-8"?>
-<p:sld xmlns:a="http://schemas.openxmlformats.org/drawingml/2006/main" xmlns:r="http://schemas.openxmlformats.org/officeDocument/2006/relationships" xmlns:p="http://schemas.openxmlformats.org/presentationml/2006/main">
-  <p:cSld>
-    <p:spTree>
-      <p:nvGrpSpPr>
-        <p:cNvPr id="1" name=""/>
-        <p:cNvGrpSpPr/>
-        <p:nvPr/>
-      </p:nvGrpSpPr>
-      <p:grpSpPr>
-        <a:xfrm>
-          <a:off x="0" y="0"/>
-          <a:ext cx="0" cy="0"/>
-          <a:chOff x="0" y="0"/>
-          <a:chExt cx="0" cy="0"/>
-        </a:xfrm>
-      </p:grpSpPr>
-      <p:sp>
-        <p:nvSpPr>
-          <p:cNvPr id="3" name="Объект 2">
-            <a:extLst>
-              <a:ext uri="{FF2B5EF4-FFF2-40B4-BE49-F238E27FC236}">
-                <a16:creationId xmlns:a16="http://schemas.microsoft.com/office/drawing/2014/main" id="{5776F518-AE6F-4172-9FFC-D9DF1D801B64}"/>
-              </a:ext>
-            </a:extLst>
-          </p:cNvPr>
-          <p:cNvSpPr>
-            <a:spLocks noGrp="1"/>
-          </p:cNvSpPr>
-          <p:nvPr>
-            <p:ph idx="1"/>
-          </p:nvPr>
-        </p:nvSpPr>
-        <p:spPr>
-          <a:xfrm>
-            <a:off x="838200" y="788565"/>
-            <a:ext cx="10515600" cy="5388398"/>
-          </a:xfrm>
-        </p:spPr>
-        <p:txBody>
-          <a:bodyPr>
-            <a:normAutofit/>
-          </a:bodyPr>
-          <a:lstStyle/>
-          <a:p>
-            <a:pPr marL="0" indent="0">
-              <a:lnSpc>
-                <a:spcPct val="107000"/>
-              </a:lnSpc>
-              <a:spcAft>
-                <a:spcPts val="800"/>
-              </a:spcAft>
-              <a:buNone/>
-            </a:pPr>
-            <a:r>
-              <a:rPr lang="ru-RU" sz="2800" b="1" dirty="0">
-                <a:effectLst/>
-                <a:ea typeface="Calibri" panose="020F0502020204030204" pitchFamily="34" charset="0"/>
-                <a:cs typeface="Times New Roman" panose="02020603050405020304" pitchFamily="18" charset="0"/>
-              </a:rPr>
-              <a:t>Как запускать</a:t>
-            </a:r>
-            <a:r>
-              <a:rPr lang="ru-RU" sz="2800" dirty="0">
-                <a:effectLst/>
-                <a:ea typeface="Calibri" panose="020F0502020204030204" pitchFamily="34" charset="0"/>
-                <a:cs typeface="Times New Roman" panose="02020603050405020304" pitchFamily="18" charset="0"/>
-              </a:rPr>
-              <a:t>:</a:t>
-            </a:r>
-          </a:p>
-          <a:p>
-            <a:pPr marL="342900" lvl="0" indent="-342900">
-              <a:lnSpc>
-                <a:spcPct val="107000"/>
-              </a:lnSpc>
-              <a:buFont typeface="+mj-lt"/>
-              <a:buAutoNum type="arabicPeriod"/>
-            </a:pPr>
-            <a:r>
-              <a:rPr lang="ru-RU" sz="2800" dirty="0">
-                <a:effectLst/>
-                <a:ea typeface="Calibri" panose="020F0502020204030204" pitchFamily="34" charset="0"/>
-                <a:cs typeface="Times New Roman" panose="02020603050405020304" pitchFamily="18" charset="0"/>
-              </a:rPr>
-              <a:t>Скачайте </a:t>
-            </a:r>
-            <a:r>
-              <a:rPr lang="en-US" sz="2800" dirty="0">
-                <a:effectLst/>
-                <a:ea typeface="Calibri" panose="020F0502020204030204" pitchFamily="34" charset="0"/>
-                <a:cs typeface="Times New Roman" panose="02020603050405020304" pitchFamily="18" charset="0"/>
-              </a:rPr>
-              <a:t>requirements</a:t>
-            </a:r>
-            <a:r>
-              <a:rPr lang="ru-RU" sz="2800" dirty="0">
-                <a:effectLst/>
-                <a:ea typeface="Calibri" panose="020F0502020204030204" pitchFamily="34" charset="0"/>
-                <a:cs typeface="Times New Roman" panose="02020603050405020304" pitchFamily="18" charset="0"/>
-              </a:rPr>
-              <a:t>.</a:t>
-            </a:r>
-            <a:r>
-              <a:rPr lang="en-US" sz="2800" dirty="0">
-                <a:effectLst/>
-                <a:ea typeface="Calibri" panose="020F0502020204030204" pitchFamily="34" charset="0"/>
-                <a:cs typeface="Times New Roman" panose="02020603050405020304" pitchFamily="18" charset="0"/>
-              </a:rPr>
-              <a:t>txt</a:t>
-            </a:r>
-            <a:r>
-              <a:rPr lang="ru-RU" sz="2800" dirty="0">
-                <a:effectLst/>
-                <a:ea typeface="Calibri" panose="020F0502020204030204" pitchFamily="34" charset="0"/>
-                <a:cs typeface="Times New Roman" panose="02020603050405020304" pitchFamily="18" charset="0"/>
-              </a:rPr>
-              <a:t>,</a:t>
-            </a:r>
-          </a:p>
-          <a:p>
-            <a:pPr marL="342900" lvl="0" indent="-342900">
-              <a:lnSpc>
-                <a:spcPct val="107000"/>
-              </a:lnSpc>
-              <a:buFont typeface="+mj-lt"/>
-              <a:buAutoNum type="arabicPeriod"/>
-            </a:pPr>
-            <a:r>
-              <a:rPr lang="ru-RU" sz="2800" dirty="0">
-                <a:effectLst/>
-                <a:ea typeface="Calibri" panose="020F0502020204030204" pitchFamily="34" charset="0"/>
-                <a:cs typeface="Times New Roman" panose="02020603050405020304" pitchFamily="18" charset="0"/>
-              </a:rPr>
-              <a:t>Введите строку </a:t>
-            </a:r>
-            <a:r>
-              <a:rPr lang="en-US" sz="2800" dirty="0">
-                <a:effectLst/>
-                <a:ea typeface="Calibri" panose="020F0502020204030204" pitchFamily="34" charset="0"/>
-                <a:cs typeface="Times New Roman" panose="02020603050405020304" pitchFamily="18" charset="0"/>
-              </a:rPr>
-              <a:t>«pip install python-telegram-bot[ext] --upgrade» </a:t>
-            </a:r>
-            <a:r>
-              <a:rPr lang="ru-RU" sz="2800" dirty="0">
-                <a:effectLst/>
-                <a:ea typeface="Calibri" panose="020F0502020204030204" pitchFamily="34" charset="0"/>
-                <a:cs typeface="Times New Roman" panose="02020603050405020304" pitchFamily="18" charset="0"/>
-              </a:rPr>
-              <a:t>в терминал</a:t>
-            </a:r>
-            <a:r>
-              <a:rPr lang="en-US" sz="2800" dirty="0">
-                <a:effectLst/>
-                <a:ea typeface="Calibri" panose="020F0502020204030204" pitchFamily="34" charset="0"/>
-                <a:cs typeface="Times New Roman" panose="02020603050405020304" pitchFamily="18" charset="0"/>
-              </a:rPr>
-              <a:t>,</a:t>
-            </a:r>
-            <a:endParaRPr lang="ru-RU" sz="2800" dirty="0">
-              <a:effectLst/>
-              <a:ea typeface="Calibri" panose="020F0502020204030204" pitchFamily="34" charset="0"/>
-              <a:cs typeface="Times New Roman" panose="02020603050405020304" pitchFamily="18" charset="0"/>
-            </a:endParaRPr>
-          </a:p>
-          <a:p>
-            <a:pPr marL="342900" lvl="0" indent="-342900">
-              <a:lnSpc>
-                <a:spcPct val="107000"/>
-              </a:lnSpc>
-              <a:buFont typeface="+mj-lt"/>
-              <a:buAutoNum type="arabicPeriod"/>
-            </a:pPr>
-            <a:r>
-              <a:rPr lang="ru-RU" sz="2800" dirty="0">
-                <a:effectLst/>
-                <a:ea typeface="Calibri" panose="020F0502020204030204" pitchFamily="34" charset="0"/>
-                <a:cs typeface="Times New Roman" panose="02020603050405020304" pitchFamily="18" charset="0"/>
-              </a:rPr>
-              <a:t>Установите все нужные модули,</a:t>
-            </a:r>
-          </a:p>
-          <a:p>
-            <a:pPr marL="342900" lvl="0" indent="-342900">
-              <a:lnSpc>
-                <a:spcPct val="107000"/>
-              </a:lnSpc>
-              <a:buFont typeface="+mj-lt"/>
-              <a:buAutoNum type="arabicPeriod"/>
-            </a:pPr>
-            <a:r>
-              <a:rPr lang="ru-RU" sz="2800" dirty="0">
-                <a:effectLst/>
-                <a:ea typeface="Calibri" panose="020F0502020204030204" pitchFamily="34" charset="0"/>
-                <a:cs typeface="Times New Roman" panose="02020603050405020304" pitchFamily="18" charset="0"/>
-              </a:rPr>
-              <a:t>Запустите </a:t>
-            </a:r>
-            <a:r>
-              <a:rPr lang="en-US" sz="2800" dirty="0" err="1">
-                <a:effectLst/>
-                <a:ea typeface="Calibri" panose="020F0502020204030204" pitchFamily="34" charset="0"/>
-                <a:cs typeface="Times New Roman" panose="02020603050405020304" pitchFamily="18" charset="0"/>
-              </a:rPr>
-              <a:t>geo_bot</a:t>
-            </a:r>
-            <a:r>
-              <a:rPr lang="ru-RU" sz="2800" dirty="0">
-                <a:effectLst/>
-                <a:ea typeface="Calibri" panose="020F0502020204030204" pitchFamily="34" charset="0"/>
-                <a:cs typeface="Times New Roman" panose="02020603050405020304" pitchFamily="18" charset="0"/>
-              </a:rPr>
-              <a:t>.</a:t>
-            </a:r>
-            <a:r>
-              <a:rPr lang="en-US" sz="2800" dirty="0">
-                <a:effectLst/>
-                <a:ea typeface="Calibri" panose="020F0502020204030204" pitchFamily="34" charset="0"/>
-                <a:cs typeface="Times New Roman" panose="02020603050405020304" pitchFamily="18" charset="0"/>
-              </a:rPr>
-              <a:t>py</a:t>
-            </a:r>
-            <a:endParaRPr lang="ru-RU" sz="2800" dirty="0">
-              <a:effectLst/>
-              <a:ea typeface="Calibri" panose="020F0502020204030204" pitchFamily="34" charset="0"/>
-              <a:cs typeface="Times New Roman" panose="02020603050405020304" pitchFamily="18" charset="0"/>
-            </a:endParaRPr>
-          </a:p>
-          <a:p>
-            <a:pPr marL="342900" lvl="0" indent="-342900">
-              <a:lnSpc>
-                <a:spcPct val="107000"/>
-              </a:lnSpc>
-              <a:spcAft>
-                <a:spcPts val="800"/>
-              </a:spcAft>
-              <a:buFont typeface="+mj-lt"/>
-              <a:buAutoNum type="arabicPeriod"/>
-            </a:pPr>
-            <a:r>
-              <a:rPr lang="ru-RU" sz="2800" dirty="0">
-                <a:effectLst/>
-                <a:ea typeface="Calibri" panose="020F0502020204030204" pitchFamily="34" charset="0"/>
-                <a:cs typeface="Times New Roman" panose="02020603050405020304" pitchFamily="18" charset="0"/>
-              </a:rPr>
-              <a:t>Найдите в приложении «телеграмм» бота @</a:t>
-            </a:r>
-            <a:r>
-              <a:rPr lang="en-US" sz="2800" dirty="0">
-                <a:effectLst/>
-                <a:ea typeface="Calibri" panose="020F0502020204030204" pitchFamily="34" charset="0"/>
-                <a:cs typeface="Times New Roman" panose="02020603050405020304" pitchFamily="18" charset="0"/>
-              </a:rPr>
-              <a:t>OnlyMyGeobot</a:t>
-            </a:r>
-            <a:r>
-              <a:rPr lang="ru-RU" sz="2800" dirty="0">
-                <a:effectLst/>
-                <a:ea typeface="Calibri" panose="020F0502020204030204" pitchFamily="34" charset="0"/>
-                <a:cs typeface="Times New Roman" panose="02020603050405020304" pitchFamily="18" charset="0"/>
-              </a:rPr>
-              <a:t>.</a:t>
-            </a:r>
-          </a:p>
-        </p:txBody>
-      </p:sp>
-    </p:spTree>
-    <p:extLst>
-      <p:ext uri="{BB962C8B-B14F-4D97-AF65-F5344CB8AC3E}">
-        <p14:creationId xmlns:p14="http://schemas.microsoft.com/office/powerpoint/2010/main" val="2782076974"/>
-      </p:ext>
-    </p:extLst>
-  </p:cSld>
-  <p:clrMapOvr>
-    <a:masterClrMapping/>
-  </p:clrMapOvr>
-</p:sld>
-</file>
-
 <file path=ppt/theme/theme1.xml><?xml version="1.0" encoding="utf-8"?>
 <a:theme xmlns:a="http://schemas.openxmlformats.org/drawingml/2006/main" name="Тема Office">
   <a:themeElements>

--- a/Презентация.pptx
+++ b/Презентация.pptx
@@ -263,7 +263,7 @@
           <a:p>
             <a:fld id="{B8F00D26-A986-4552-952C-D1EB9FEAD0FC}" type="datetimeFigureOut">
               <a:rPr lang="ru-RU" smtClean="0"/>
-              <a:t>22.04.2024</a:t>
+              <a:t>26.04.2024</a:t>
             </a:fld>
             <a:endParaRPr lang="ru-RU"/>
           </a:p>
@@ -461,7 +461,7 @@
           <a:p>
             <a:fld id="{B8F00D26-A986-4552-952C-D1EB9FEAD0FC}" type="datetimeFigureOut">
               <a:rPr lang="ru-RU" smtClean="0"/>
-              <a:t>22.04.2024</a:t>
+              <a:t>26.04.2024</a:t>
             </a:fld>
             <a:endParaRPr lang="ru-RU"/>
           </a:p>
@@ -669,7 +669,7 @@
           <a:p>
             <a:fld id="{B8F00D26-A986-4552-952C-D1EB9FEAD0FC}" type="datetimeFigureOut">
               <a:rPr lang="ru-RU" smtClean="0"/>
-              <a:t>22.04.2024</a:t>
+              <a:t>26.04.2024</a:t>
             </a:fld>
             <a:endParaRPr lang="ru-RU"/>
           </a:p>
@@ -867,7 +867,7 @@
           <a:p>
             <a:fld id="{B8F00D26-A986-4552-952C-D1EB9FEAD0FC}" type="datetimeFigureOut">
               <a:rPr lang="ru-RU" smtClean="0"/>
-              <a:t>22.04.2024</a:t>
+              <a:t>26.04.2024</a:t>
             </a:fld>
             <a:endParaRPr lang="ru-RU"/>
           </a:p>
@@ -1142,7 +1142,7 @@
           <a:p>
             <a:fld id="{B8F00D26-A986-4552-952C-D1EB9FEAD0FC}" type="datetimeFigureOut">
               <a:rPr lang="ru-RU" smtClean="0"/>
-              <a:t>22.04.2024</a:t>
+              <a:t>26.04.2024</a:t>
             </a:fld>
             <a:endParaRPr lang="ru-RU"/>
           </a:p>
@@ -1407,7 +1407,7 @@
           <a:p>
             <a:fld id="{B8F00D26-A986-4552-952C-D1EB9FEAD0FC}" type="datetimeFigureOut">
               <a:rPr lang="ru-RU" smtClean="0"/>
-              <a:t>22.04.2024</a:t>
+              <a:t>26.04.2024</a:t>
             </a:fld>
             <a:endParaRPr lang="ru-RU"/>
           </a:p>
@@ -1819,7 +1819,7 @@
           <a:p>
             <a:fld id="{B8F00D26-A986-4552-952C-D1EB9FEAD0FC}" type="datetimeFigureOut">
               <a:rPr lang="ru-RU" smtClean="0"/>
-              <a:t>22.04.2024</a:t>
+              <a:t>26.04.2024</a:t>
             </a:fld>
             <a:endParaRPr lang="ru-RU"/>
           </a:p>
@@ -1960,7 +1960,7 @@
           <a:p>
             <a:fld id="{B8F00D26-A986-4552-952C-D1EB9FEAD0FC}" type="datetimeFigureOut">
               <a:rPr lang="ru-RU" smtClean="0"/>
-              <a:t>22.04.2024</a:t>
+              <a:t>26.04.2024</a:t>
             </a:fld>
             <a:endParaRPr lang="ru-RU"/>
           </a:p>
@@ -2073,7 +2073,7 @@
           <a:p>
             <a:fld id="{B8F00D26-A986-4552-952C-D1EB9FEAD0FC}" type="datetimeFigureOut">
               <a:rPr lang="ru-RU" smtClean="0"/>
-              <a:t>22.04.2024</a:t>
+              <a:t>26.04.2024</a:t>
             </a:fld>
             <a:endParaRPr lang="ru-RU"/>
           </a:p>
@@ -2384,7 +2384,7 @@
           <a:p>
             <a:fld id="{B8F00D26-A986-4552-952C-D1EB9FEAD0FC}" type="datetimeFigureOut">
               <a:rPr lang="ru-RU" smtClean="0"/>
-              <a:t>22.04.2024</a:t>
+              <a:t>26.04.2024</a:t>
             </a:fld>
             <a:endParaRPr lang="ru-RU"/>
           </a:p>
@@ -2672,7 +2672,7 @@
           <a:p>
             <a:fld id="{B8F00D26-A986-4552-952C-D1EB9FEAD0FC}" type="datetimeFigureOut">
               <a:rPr lang="ru-RU" smtClean="0"/>
-              <a:t>22.04.2024</a:t>
+              <a:t>26.04.2024</a:t>
             </a:fld>
             <a:endParaRPr lang="ru-RU"/>
           </a:p>
@@ -2913,7 +2913,7 @@
           <a:p>
             <a:fld id="{B8F00D26-A986-4552-952C-D1EB9FEAD0FC}" type="datetimeFigureOut">
               <a:rPr lang="ru-RU" smtClean="0"/>
-              <a:t>22.04.2024</a:t>
+              <a:t>26.04.2024</a:t>
             </a:fld>
             <a:endParaRPr lang="ru-RU"/>
           </a:p>
@@ -3747,7 +3747,7 @@
                 <a:ea typeface="Calibri" panose="020F0502020204030204" pitchFamily="34" charset="0"/>
                 <a:cs typeface="Times New Roman" panose="02020603050405020304" pitchFamily="18" charset="0"/>
               </a:rPr>
-              <a:t>). Бот найдёт ближайшую к этому адресу организацию, выведет карту с отмеченным местом, её название, и адрес. После этого информацию об этом месте он запишет в базу данных, поэтому если пользователь введёт тот же запрос, то получит ответ: «Вы уже находили: [карта и т.п.]». Для команд /</a:t>
+              <a:t>). Бот найдёт ближайшую к этому адресу организацию, выведет карту с отмеченным местом, её название, адрес и расстояние от адреса до организации. После этого информацию об этом месте он запишет в базу данных, поэтому если пользователь введёт тот же запрос, то получит ответ: «Вы уже находили: [карта и т.п.]». Для команд /</a:t>
             </a:r>
             <a:r>
               <a:rPr lang="en-US" sz="2400" dirty="0">

--- a/Презентация.pptx
+++ b/Презентация.pptx
@@ -3897,12 +3897,20 @@
               <a:buChar char=""/>
             </a:pPr>
             <a:r>
+              <a:rPr lang="en-US">
+                <a:effectLst/>
+                <a:ea typeface="Calibri" panose="020F0502020204030204" pitchFamily="34" charset="0"/>
+                <a:cs typeface="Times New Roman" panose="02020603050405020304" pitchFamily="18" charset="0"/>
+              </a:rPr>
+              <a:t>main.</a:t>
+            </a:r>
+            <a:r>
               <a:rPr lang="en-US" dirty="0">
                 <a:effectLst/>
                 <a:ea typeface="Calibri" panose="020F0502020204030204" pitchFamily="34" charset="0"/>
                 <a:cs typeface="Times New Roman" panose="02020603050405020304" pitchFamily="18" charset="0"/>
               </a:rPr>
-              <a:t>geo_bot.py ­— </a:t>
+              <a:t>py ­— </a:t>
             </a:r>
             <a:r>
               <a:rPr lang="ru-RU" dirty="0">
